--- a/presentation/Transformer_Udemy/Udemy_P8_2_Next steps.pptx
+++ b/presentation/Transformer_Udemy/Udemy_P8_2_Next steps.pptx
@@ -198,7 +198,7 @@
           <a:p>
             <a:fld id="{83E62246-8680-4D4D-A3BD-0C5BFD468F61}" type="datetimeFigureOut">
               <a:rPr lang="en-US" smtClean="0"/>
-              <a:t>6/29/2024</a:t>
+              <a:t>7/3/2024</a:t>
             </a:fld>
             <a:endParaRPr lang="en-US"/>
           </a:p>
@@ -614,7 +614,7 @@
           <a:p>
             <a:fld id="{DE15CBC1-10D1-4E1D-B7D3-1A6D6027583C}" type="datetimeFigureOut">
               <a:rPr lang="en-US" smtClean="0"/>
-              <a:t>6/29/2024</a:t>
+              <a:t>7/3/2024</a:t>
             </a:fld>
             <a:endParaRPr lang="en-US"/>
           </a:p>
@@ -812,7 +812,7 @@
           <a:p>
             <a:fld id="{DE15CBC1-10D1-4E1D-B7D3-1A6D6027583C}" type="datetimeFigureOut">
               <a:rPr lang="en-US" smtClean="0"/>
-              <a:t>6/29/2024</a:t>
+              <a:t>7/3/2024</a:t>
             </a:fld>
             <a:endParaRPr lang="en-US"/>
           </a:p>
@@ -1020,7 +1020,7 @@
           <a:p>
             <a:fld id="{DE15CBC1-10D1-4E1D-B7D3-1A6D6027583C}" type="datetimeFigureOut">
               <a:rPr lang="en-US" smtClean="0"/>
-              <a:t>6/29/2024</a:t>
+              <a:t>7/3/2024</a:t>
             </a:fld>
             <a:endParaRPr lang="en-US"/>
           </a:p>
@@ -1220,7 +1220,7 @@
           <a:p>
             <a:fld id="{DE15CBC1-10D1-4E1D-B7D3-1A6D6027583C}" type="datetimeFigureOut">
               <a:rPr lang="en-US" smtClean="0"/>
-              <a:t>6/29/2024</a:t>
+              <a:t>7/3/2024</a:t>
             </a:fld>
             <a:endParaRPr lang="en-US"/>
           </a:p>
@@ -1496,7 +1496,7 @@
           <a:p>
             <a:fld id="{DE15CBC1-10D1-4E1D-B7D3-1A6D6027583C}" type="datetimeFigureOut">
               <a:rPr lang="en-US" smtClean="0"/>
-              <a:t>6/29/2024</a:t>
+              <a:t>7/3/2024</a:t>
             </a:fld>
             <a:endParaRPr lang="en-US"/>
           </a:p>
@@ -1761,7 +1761,7 @@
           <a:p>
             <a:fld id="{DE15CBC1-10D1-4E1D-B7D3-1A6D6027583C}" type="datetimeFigureOut">
               <a:rPr lang="en-US" smtClean="0"/>
-              <a:t>6/29/2024</a:t>
+              <a:t>7/3/2024</a:t>
             </a:fld>
             <a:endParaRPr lang="en-US"/>
           </a:p>
@@ -2173,7 +2173,7 @@
           <a:p>
             <a:fld id="{DE15CBC1-10D1-4E1D-B7D3-1A6D6027583C}" type="datetimeFigureOut">
               <a:rPr lang="en-US" smtClean="0"/>
-              <a:t>6/29/2024</a:t>
+              <a:t>7/3/2024</a:t>
             </a:fld>
             <a:endParaRPr lang="en-US"/>
           </a:p>
@@ -2314,7 +2314,7 @@
           <a:p>
             <a:fld id="{DE15CBC1-10D1-4E1D-B7D3-1A6D6027583C}" type="datetimeFigureOut">
               <a:rPr lang="en-US" smtClean="0"/>
-              <a:t>6/29/2024</a:t>
+              <a:t>7/3/2024</a:t>
             </a:fld>
             <a:endParaRPr lang="en-US"/>
           </a:p>
@@ -2427,7 +2427,7 @@
           <a:p>
             <a:fld id="{DE15CBC1-10D1-4E1D-B7D3-1A6D6027583C}" type="datetimeFigureOut">
               <a:rPr lang="en-US" smtClean="0"/>
-              <a:t>6/29/2024</a:t>
+              <a:t>7/3/2024</a:t>
             </a:fld>
             <a:endParaRPr lang="en-US"/>
           </a:p>
@@ -2738,7 +2738,7 @@
           <a:p>
             <a:fld id="{DE15CBC1-10D1-4E1D-B7D3-1A6D6027583C}" type="datetimeFigureOut">
               <a:rPr lang="en-US" smtClean="0"/>
-              <a:t>6/29/2024</a:t>
+              <a:t>7/3/2024</a:t>
             </a:fld>
             <a:endParaRPr lang="en-US"/>
           </a:p>
@@ -3029,7 +3029,7 @@
           <a:p>
             <a:fld id="{DE15CBC1-10D1-4E1D-B7D3-1A6D6027583C}" type="datetimeFigureOut">
               <a:rPr lang="en-US" smtClean="0"/>
-              <a:t>6/29/2024</a:t>
+              <a:t>7/3/2024</a:t>
             </a:fld>
             <a:endParaRPr lang="en-US"/>
           </a:p>
@@ -3271,7 +3271,7 @@
             <a:fld id="{DE15CBC1-10D1-4E1D-B7D3-1A6D6027583C}" type="datetimeFigureOut">
               <a:rPr lang="en-US" smtClean="0"/>
               <a:pPr/>
-              <a:t>6/29/2024</a:t>
+              <a:t>7/3/2024</a:t>
             </a:fld>
             <a:endParaRPr lang="en-US"/>
           </a:p>
@@ -3824,7 +3824,7 @@
         </p:spPr>
         <p:txBody>
           <a:bodyPr>
-            <a:normAutofit fontScale="92500"/>
+            <a:normAutofit fontScale="92500" lnSpcReduction="10000"/>
           </a:bodyPr>
           <a:lstStyle/>
           <a:p>
@@ -3844,8 +3844,14 @@
             </a:pPr>
             <a:r>
               <a:rPr lang="en-US" dirty="0"/>
-              <a:t> Advanced LLM fine-tuning techniques: </a:t>
-            </a:r>
+              <a:t> Advanced LLM fine-tuning techniques</a:t>
+            </a:r>
+          </a:p>
+          <a:p>
+            <a:pPr lvl="1">
+              <a:buFont typeface="Arial" panose="020B0604020202020204" pitchFamily="34" charset="0"/>
+              <a:buChar char="•"/>
+            </a:pPr>
             <a:r>
               <a:rPr lang="en-US" dirty="0" err="1"/>
               <a:t>LoRA</a:t>
